--- a/GDP 1 - PROJECT TEAM  (3).pptx
+++ b/GDP 1 - PROJECT TEAM  (3).pptx
@@ -3841,7 +3841,7 @@
           <a:p>
             <a:fld id="{DE06FABB-6F18-4456-867B-0EFA3D6BFF1F}" type="datetimeFigureOut">
               <a:rPr lang="en-US" smtClean="0"/>
-              <a:t>5/11/2022</a:t>
+              <a:t>5/18/2022</a:t>
             </a:fld>
             <a:endParaRPr lang="en-US"/>
           </a:p>
@@ -4020,7 +4020,7 @@
           <a:p>
             <a:fld id="{DE06FABB-6F18-4456-867B-0EFA3D6BFF1F}" type="datetimeFigureOut">
               <a:rPr lang="en-US" smtClean="0"/>
-              <a:t>5/11/2022</a:t>
+              <a:t>5/18/2022</a:t>
             </a:fld>
             <a:endParaRPr lang="en-US"/>
           </a:p>
@@ -4200,7 +4200,7 @@
           <a:p>
             <a:fld id="{DE06FABB-6F18-4456-867B-0EFA3D6BFF1F}" type="datetimeFigureOut">
               <a:rPr lang="en-US" smtClean="0"/>
-              <a:t>5/11/2022</a:t>
+              <a:t>5/18/2022</a:t>
             </a:fld>
             <a:endParaRPr lang="en-US"/>
           </a:p>
@@ -4370,7 +4370,7 @@
           <a:p>
             <a:fld id="{DE06FABB-6F18-4456-867B-0EFA3D6BFF1F}" type="datetimeFigureOut">
               <a:rPr lang="en-US" smtClean="0"/>
-              <a:t>5/11/2022</a:t>
+              <a:t>5/18/2022</a:t>
             </a:fld>
             <a:endParaRPr lang="en-US"/>
           </a:p>
@@ -4683,7 +4683,7 @@
           <a:p>
             <a:fld id="{DE06FABB-6F18-4456-867B-0EFA3D6BFF1F}" type="datetimeFigureOut">
               <a:rPr lang="en-US" smtClean="0"/>
-              <a:t>5/11/2022</a:t>
+              <a:t>5/18/2022</a:t>
             </a:fld>
             <a:endParaRPr lang="en-US"/>
           </a:p>
@@ -5069,7 +5069,7 @@
           <a:p>
             <a:fld id="{DE06FABB-6F18-4456-867B-0EFA3D6BFF1F}" type="datetimeFigureOut">
               <a:rPr lang="en-US" smtClean="0"/>
-              <a:t>5/11/2022</a:t>
+              <a:t>5/18/2022</a:t>
             </a:fld>
             <a:endParaRPr lang="en-US"/>
           </a:p>
@@ -5503,7 +5503,7 @@
           <a:p>
             <a:fld id="{DE06FABB-6F18-4456-867B-0EFA3D6BFF1F}" type="datetimeFigureOut">
               <a:rPr lang="en-US" smtClean="0"/>
-              <a:t>5/11/2022</a:t>
+              <a:t>5/18/2022</a:t>
             </a:fld>
             <a:endParaRPr lang="en-US"/>
           </a:p>
@@ -5621,7 +5621,7 @@
           <a:p>
             <a:fld id="{DE06FABB-6F18-4456-867B-0EFA3D6BFF1F}" type="datetimeFigureOut">
               <a:rPr lang="en-US" smtClean="0"/>
-              <a:t>5/11/2022</a:t>
+              <a:t>5/18/2022</a:t>
             </a:fld>
             <a:endParaRPr lang="en-US"/>
           </a:p>
@@ -5716,7 +5716,7 @@
           <a:p>
             <a:fld id="{DE06FABB-6F18-4456-867B-0EFA3D6BFF1F}" type="datetimeFigureOut">
               <a:rPr lang="en-US" smtClean="0"/>
-              <a:t>5/11/2022</a:t>
+              <a:t>5/18/2022</a:t>
             </a:fld>
             <a:endParaRPr lang="en-US"/>
           </a:p>
@@ -6066,7 +6066,7 @@
           <a:p>
             <a:fld id="{DE06FABB-6F18-4456-867B-0EFA3D6BFF1F}" type="datetimeFigureOut">
               <a:rPr lang="en-US" smtClean="0"/>
-              <a:t>5/11/2022</a:t>
+              <a:t>5/18/2022</a:t>
             </a:fld>
             <a:endParaRPr lang="en-US"/>
           </a:p>
@@ -6491,7 +6491,7 @@
           <a:p>
             <a:fld id="{DE06FABB-6F18-4456-867B-0EFA3D6BFF1F}" type="datetimeFigureOut">
               <a:rPr lang="en-US" smtClean="0"/>
-              <a:t>5/11/2022</a:t>
+              <a:t>5/18/2022</a:t>
             </a:fld>
             <a:endParaRPr lang="en-US"/>
           </a:p>
@@ -6772,7 +6772,7 @@
           <a:p>
             <a:fld id="{DE06FABB-6F18-4456-867B-0EFA3D6BFF1F}" type="datetimeFigureOut">
               <a:rPr lang="en-US" smtClean="0"/>
-              <a:t>5/11/2022</a:t>
+              <a:t>5/18/2022</a:t>
             </a:fld>
             <a:endParaRPr lang="en-US"/>
           </a:p>
@@ -7708,12 +7708,8 @@
           <a:lstStyle/>
           <a:p>
             <a:r>
-              <a:rPr lang="en-US" sz="8000" dirty="0"/>
-              <a:t> </a:t>
-            </a:r>
-            <a:r>
               <a:rPr lang="en-US" sz="4000" dirty="0"/>
-              <a:t>TITLE -        </a:t>
+              <a:t>        </a:t>
             </a:r>
           </a:p>
         </p:txBody>
